--- a/assets/kremlin.pptx
+++ b/assets/kremlin.pptx
@@ -104,6 +104,11 @@
       </a:defRPr>
     </a:lvl9pPr>
   </p:defaultTextStyle>
+  <p:extLst>
+    <p:ext uri="{EFAFB233-063F-42B5-8137-9DF3F51BA10A}">
+      <p15:sldGuideLst xmlns:p15="http://schemas.microsoft.com/office/powerpoint/2012/main"/>
+    </p:ext>
+  </p:extLst>
 </p:presentation>
 </file>
 
@@ -238,7 +243,7 @@
           <a:p>
             <a:fld id="{3C35603B-8DD0-45E3-951C-9F3DCE3CCF52}" type="datetimeFigureOut">
               <a:rPr lang="ru-RU" smtClean="0"/>
-              <a:t>21.10.2016</a:t>
+              <a:t>22.10.2016</a:t>
             </a:fld>
             <a:endParaRPr lang="ru-RU"/>
           </a:p>
@@ -408,7 +413,7 @@
           <a:p>
             <a:fld id="{3C35603B-8DD0-45E3-951C-9F3DCE3CCF52}" type="datetimeFigureOut">
               <a:rPr lang="ru-RU" smtClean="0"/>
-              <a:t>21.10.2016</a:t>
+              <a:t>22.10.2016</a:t>
             </a:fld>
             <a:endParaRPr lang="ru-RU"/>
           </a:p>
@@ -588,7 +593,7 @@
           <a:p>
             <a:fld id="{3C35603B-8DD0-45E3-951C-9F3DCE3CCF52}" type="datetimeFigureOut">
               <a:rPr lang="ru-RU" smtClean="0"/>
-              <a:t>21.10.2016</a:t>
+              <a:t>22.10.2016</a:t>
             </a:fld>
             <a:endParaRPr lang="ru-RU"/>
           </a:p>
@@ -758,7 +763,7 @@
           <a:p>
             <a:fld id="{3C35603B-8DD0-45E3-951C-9F3DCE3CCF52}" type="datetimeFigureOut">
               <a:rPr lang="ru-RU" smtClean="0"/>
-              <a:t>21.10.2016</a:t>
+              <a:t>22.10.2016</a:t>
             </a:fld>
             <a:endParaRPr lang="ru-RU"/>
           </a:p>
@@ -1004,7 +1009,7 @@
           <a:p>
             <a:fld id="{3C35603B-8DD0-45E3-951C-9F3DCE3CCF52}" type="datetimeFigureOut">
               <a:rPr lang="ru-RU" smtClean="0"/>
-              <a:t>21.10.2016</a:t>
+              <a:t>22.10.2016</a:t>
             </a:fld>
             <a:endParaRPr lang="ru-RU"/>
           </a:p>
@@ -1236,7 +1241,7 @@
           <a:p>
             <a:fld id="{3C35603B-8DD0-45E3-951C-9F3DCE3CCF52}" type="datetimeFigureOut">
               <a:rPr lang="ru-RU" smtClean="0"/>
-              <a:t>21.10.2016</a:t>
+              <a:t>22.10.2016</a:t>
             </a:fld>
             <a:endParaRPr lang="ru-RU"/>
           </a:p>
@@ -1603,7 +1608,7 @@
           <a:p>
             <a:fld id="{3C35603B-8DD0-45E3-951C-9F3DCE3CCF52}" type="datetimeFigureOut">
               <a:rPr lang="ru-RU" smtClean="0"/>
-              <a:t>21.10.2016</a:t>
+              <a:t>22.10.2016</a:t>
             </a:fld>
             <a:endParaRPr lang="ru-RU"/>
           </a:p>
@@ -1721,7 +1726,7 @@
           <a:p>
             <a:fld id="{3C35603B-8DD0-45E3-951C-9F3DCE3CCF52}" type="datetimeFigureOut">
               <a:rPr lang="ru-RU" smtClean="0"/>
-              <a:t>21.10.2016</a:t>
+              <a:t>22.10.2016</a:t>
             </a:fld>
             <a:endParaRPr lang="ru-RU"/>
           </a:p>
@@ -1816,7 +1821,7 @@
           <a:p>
             <a:fld id="{3C35603B-8DD0-45E3-951C-9F3DCE3CCF52}" type="datetimeFigureOut">
               <a:rPr lang="ru-RU" smtClean="0"/>
-              <a:t>21.10.2016</a:t>
+              <a:t>22.10.2016</a:t>
             </a:fld>
             <a:endParaRPr lang="ru-RU"/>
           </a:p>
@@ -2093,7 +2098,7 @@
           <a:p>
             <a:fld id="{3C35603B-8DD0-45E3-951C-9F3DCE3CCF52}" type="datetimeFigureOut">
               <a:rPr lang="ru-RU" smtClean="0"/>
-              <a:t>21.10.2016</a:t>
+              <a:t>22.10.2016</a:t>
             </a:fld>
             <a:endParaRPr lang="ru-RU"/>
           </a:p>
@@ -2350,7 +2355,7 @@
           <a:p>
             <a:fld id="{3C35603B-8DD0-45E3-951C-9F3DCE3CCF52}" type="datetimeFigureOut">
               <a:rPr lang="ru-RU" smtClean="0"/>
-              <a:t>21.10.2016</a:t>
+              <a:t>22.10.2016</a:t>
             </a:fld>
             <a:endParaRPr lang="ru-RU"/>
           </a:p>
@@ -2563,7 +2568,7 @@
           <a:p>
             <a:fld id="{3C35603B-8DD0-45E3-951C-9F3DCE3CCF52}" type="datetimeFigureOut">
               <a:rPr lang="ru-RU" smtClean="0"/>
-              <a:t>21.10.2016</a:t>
+              <a:t>22.10.2016</a:t>
             </a:fld>
             <a:endParaRPr lang="ru-RU"/>
           </a:p>
@@ -3029,6 +3034,29 @@
           </a:prstGeom>
         </p:spPr>
       </p:pic>
+      <p:pic>
+        <p:nvPicPr>
+          <p:cNvPr id="5" name="Рисунок 4"/>
+          <p:cNvPicPr>
+            <a:picLocks noChangeAspect="1"/>
+          </p:cNvPicPr>
+          <p:nvPr/>
+        </p:nvPicPr>
+        <p:blipFill rotWithShape="1">
+          <a:blip r:embed="rId2"/>
+          <a:srcRect t="8734" b="16523"/>
+          <a:stretch/>
+        </p:blipFill>
+        <p:spPr>
+          <a:xfrm>
+            <a:off x="0" y="-462801"/>
+            <a:ext cx="15840075" cy="6659644"/>
+          </a:xfrm>
+          <a:prstGeom prst="rect">
+            <a:avLst/>
+          </a:prstGeom>
+        </p:spPr>
+      </p:pic>
     </p:spTree>
     <p:extLst>
       <p:ext uri="{BB962C8B-B14F-4D97-AF65-F5344CB8AC3E}">
